--- a/CaseStudies12Mar2024.pptx
+++ b/CaseStudies12Mar2024.pptx
@@ -250,7 +250,7 @@
             <a:fld id="{40EF3D95-CC7B-46DC-A78E-67F4D075B2A3}" type="datetimeFigureOut">
               <a:rPr lang="en-US" smtClean="0"/>
               <a:pPr/>
-              <a:t>3/12/2024</a:t>
+              <a:t>3/29/2024</a:t>
             </a:fld>
             <a:endParaRPr lang="en-US"/>
           </a:p>
@@ -417,7 +417,7 @@
             <a:fld id="{90937C88-D269-4F0C-8A60-C61804010FE8}" type="datetimeFigureOut">
               <a:rPr lang="en-US" smtClean="0"/>
               <a:pPr/>
-              <a:t>3/12/2024</a:t>
+              <a:t>3/29/2024</a:t>
             </a:fld>
             <a:endParaRPr lang="en-US"/>
           </a:p>
@@ -2762,7 +2762,7 @@
             <a:fld id="{5EF89885-BDA6-4E71-B5FE-67249B14CE6E}" type="datetimeFigureOut">
               <a:rPr lang="en-US" smtClean="0"/>
               <a:pPr/>
-              <a:t>3/12/2024</a:t>
+              <a:t>3/29/2024</a:t>
             </a:fld>
             <a:endParaRPr lang="en-US"/>
           </a:p>
@@ -3131,7 +3131,7 @@
             <a:fld id="{5EF89885-BDA6-4E71-B5FE-67249B14CE6E}" type="datetimeFigureOut">
               <a:rPr lang="en-US" smtClean="0"/>
               <a:pPr/>
-              <a:t>3/12/2024</a:t>
+              <a:t>3/29/2024</a:t>
             </a:fld>
             <a:endParaRPr lang="en-US"/>
           </a:p>
@@ -3311,7 +3311,7 @@
             <a:fld id="{5EF89885-BDA6-4E71-B5FE-67249B14CE6E}" type="datetimeFigureOut">
               <a:rPr lang="en-US" smtClean="0"/>
               <a:pPr/>
-              <a:t>3/12/2024</a:t>
+              <a:t>3/29/2024</a:t>
             </a:fld>
             <a:endParaRPr lang="en-US"/>
           </a:p>
@@ -4806,7 +4806,7 @@
             <a:fld id="{5EF89885-BDA6-4E71-B5FE-67249B14CE6E}" type="datetimeFigureOut">
               <a:rPr lang="en-US" smtClean="0"/>
               <a:pPr/>
-              <a:t>3/12/2024</a:t>
+              <a:t>3/29/2024</a:t>
             </a:fld>
             <a:endParaRPr lang="en-US"/>
           </a:p>
@@ -5055,7 +5055,7 @@
             <a:fld id="{5EF89885-BDA6-4E71-B5FE-67249B14CE6E}" type="datetimeFigureOut">
               <a:rPr lang="en-US" smtClean="0"/>
               <a:pPr/>
-              <a:t>3/12/2024</a:t>
+              <a:t>3/29/2024</a:t>
             </a:fld>
             <a:endParaRPr lang="en-US"/>
           </a:p>
@@ -5286,7 +5286,7 @@
             <a:fld id="{5EF89885-BDA6-4E71-B5FE-67249B14CE6E}" type="datetimeFigureOut">
               <a:rPr lang="en-US" smtClean="0"/>
               <a:pPr/>
-              <a:t>3/12/2024</a:t>
+              <a:t>3/29/2024</a:t>
             </a:fld>
             <a:endParaRPr lang="en-US"/>
           </a:p>
@@ -5652,7 +5652,7 @@
             <a:fld id="{5EF89885-BDA6-4E71-B5FE-67249B14CE6E}" type="datetimeFigureOut">
               <a:rPr lang="en-US" smtClean="0"/>
               <a:pPr/>
-              <a:t>3/12/2024</a:t>
+              <a:t>3/29/2024</a:t>
             </a:fld>
             <a:endParaRPr lang="en-US"/>
           </a:p>
@@ -5771,7 +5771,7 @@
             <a:fld id="{5EF89885-BDA6-4E71-B5FE-67249B14CE6E}" type="datetimeFigureOut">
               <a:rPr lang="en-US" smtClean="0"/>
               <a:pPr/>
-              <a:t>3/12/2024</a:t>
+              <a:t>3/29/2024</a:t>
             </a:fld>
             <a:endParaRPr lang="en-US"/>
           </a:p>
@@ -5868,7 +5868,7 @@
             <a:fld id="{5EF89885-BDA6-4E71-B5FE-67249B14CE6E}" type="datetimeFigureOut">
               <a:rPr lang="en-US" smtClean="0"/>
               <a:pPr/>
-              <a:t>3/12/2024</a:t>
+              <a:t>3/29/2024</a:t>
             </a:fld>
             <a:endParaRPr lang="en-US"/>
           </a:p>
@@ -6145,7 +6145,7 @@
             <a:fld id="{5EF89885-BDA6-4E71-B5FE-67249B14CE6E}" type="datetimeFigureOut">
               <a:rPr lang="en-US" smtClean="0"/>
               <a:pPr/>
-              <a:t>3/12/2024</a:t>
+              <a:t>3/29/2024</a:t>
             </a:fld>
             <a:endParaRPr lang="en-US"/>
           </a:p>
@@ -6399,7 +6399,7 @@
             <a:fld id="{5EF89885-BDA6-4E71-B5FE-67249B14CE6E}" type="datetimeFigureOut">
               <a:rPr lang="en-US" smtClean="0"/>
               <a:pPr/>
-              <a:t>3/12/2024</a:t>
+              <a:t>3/29/2024</a:t>
             </a:fld>
             <a:endParaRPr lang="en-US"/>
           </a:p>
@@ -6812,7 +6812,7 @@
             <a:fld id="{5EF89885-BDA6-4E71-B5FE-67249B14CE6E}" type="datetimeFigureOut">
               <a:rPr lang="en-US" smtClean="0"/>
               <a:pPr/>
-              <a:t>3/12/2024</a:t>
+              <a:t>3/29/2024</a:t>
             </a:fld>
             <a:endParaRPr lang="en-US"/>
           </a:p>
@@ -23390,7 +23390,7 @@
           <a:p>
             <a:r>
               <a:rPr lang="en-US" dirty="0"/>
-              <a:t>Editorial Documentation and Document Management System		</a:t>
+              <a:t>Editorial Pagination and Document Management System		</a:t>
             </a:r>
           </a:p>
         </p:txBody>
@@ -42554,18 +42554,18 @@
 </file>
 
 <file path=customXml/item2.xml><?xml version="1.0" encoding="utf-8"?>
+<p:properties xmlns:p="http://schemas.microsoft.com/office/2006/metadata/properties" xmlns:xsi="http://www.w3.org/2001/XMLSchema-instance" xmlns:pc="http://schemas.microsoft.com/office/infopath/2007/PartnerControls">
+  <documentManagement/>
+</p:properties>
+</file>
+
+<file path=customXml/item3.xml><?xml version="1.0" encoding="utf-8"?>
 <?mso-contentType ?>
 <FormTemplates xmlns="http://schemas.microsoft.com/sharepoint/v3/contenttype/forms">
   <Display>DocumentLibraryForm</Display>
   <Edit>DocumentLibraryForm</Edit>
   <New>DocumentLibraryForm</New>
 </FormTemplates>
-</file>
-
-<file path=customXml/item3.xml><?xml version="1.0" encoding="utf-8"?>
-<p:properties xmlns:p="http://schemas.microsoft.com/office/2006/metadata/properties" xmlns:xsi="http://www.w3.org/2001/XMLSchema-instance" xmlns:pc="http://schemas.microsoft.com/office/infopath/2007/PartnerControls">
-  <documentManagement/>
-</p:properties>
 </file>
 
 <file path=customXml/itemProps1.xml><?xml version="1.0" encoding="utf-8"?>
@@ -42587,18 +42587,18 @@
 </file>
 
 <file path=customXml/itemProps2.xml><?xml version="1.0" encoding="utf-8"?>
-<ds:datastoreItem xmlns:ds="http://schemas.openxmlformats.org/officeDocument/2006/customXml" ds:itemID="{A60CAD73-53F3-462E-8396-41703AE7336B}">
-  <ds:schemaRefs>
-    <ds:schemaRef ds:uri="http://schemas.microsoft.com/sharepoint/v3/contenttype/forms"/>
-  </ds:schemaRefs>
-</ds:datastoreItem>
-</file>
-
-<file path=customXml/itemProps3.xml><?xml version="1.0" encoding="utf-8"?>
 <ds:datastoreItem xmlns:ds="http://schemas.openxmlformats.org/officeDocument/2006/customXml" ds:itemID="{3B994192-9EC4-4442-B7DD-9D7EE30C9E6D}">
   <ds:schemaRefs>
     <ds:schemaRef ds:uri="http://schemas.microsoft.com/office/2006/metadata/properties"/>
     <ds:schemaRef ds:uri="http://schemas.microsoft.com/office/infopath/2007/PartnerControls"/>
   </ds:schemaRefs>
 </ds:datastoreItem>
+</file>
+
+<file path=customXml/itemProps3.xml><?xml version="1.0" encoding="utf-8"?>
+<ds:datastoreItem xmlns:ds="http://schemas.openxmlformats.org/officeDocument/2006/customXml" ds:itemID="{A60CAD73-53F3-462E-8396-41703AE7336B}">
+  <ds:schemaRefs>
+    <ds:schemaRef ds:uri="http://schemas.microsoft.com/sharepoint/v3/contenttype/forms"/>
+  </ds:schemaRefs>
+</ds:datastoreItem>
 </file>